--- a/EBooks/Diagrams3.pptx
+++ b/EBooks/Diagrams3.pptx
@@ -6,6 +6,8 @@
   </p:sldMasterIdLst>
   <p:sldIdLst>
     <p:sldId id="257" r:id="rId2"/>
+    <p:sldId id="258" r:id="rId3"/>
+    <p:sldId id="259" r:id="rId4"/>
   </p:sldIdLst>
   <p:sldSz cx="9144000" cy="6858000" type="screen4x3"/>
   <p:notesSz cx="6858000" cy="9144000"/>
@@ -289,7 +291,7 @@
             <a:fld id="{1D8BD707-D9CF-40AE-B4C6-C98DA3205C09}" type="datetimeFigureOut">
               <a:rPr lang="en-US" smtClean="0"/>
               <a:pPr/>
-              <a:t>3/19/2018</a:t>
+              <a:t>3/21/2018</a:t>
             </a:fld>
             <a:endParaRPr lang="en-US"/>
           </a:p>
@@ -456,7 +458,7 @@
             <a:fld id="{1D8BD707-D9CF-40AE-B4C6-C98DA3205C09}" type="datetimeFigureOut">
               <a:rPr lang="en-US" smtClean="0"/>
               <a:pPr/>
-              <a:t>3/19/2018</a:t>
+              <a:t>3/21/2018</a:t>
             </a:fld>
             <a:endParaRPr lang="en-US"/>
           </a:p>
@@ -633,7 +635,7 @@
             <a:fld id="{1D8BD707-D9CF-40AE-B4C6-C98DA3205C09}" type="datetimeFigureOut">
               <a:rPr lang="en-US" smtClean="0"/>
               <a:pPr/>
-              <a:t>3/19/2018</a:t>
+              <a:t>3/21/2018</a:t>
             </a:fld>
             <a:endParaRPr lang="en-US"/>
           </a:p>
@@ -800,7 +802,7 @@
             <a:fld id="{1D8BD707-D9CF-40AE-B4C6-C98DA3205C09}" type="datetimeFigureOut">
               <a:rPr lang="en-US" smtClean="0"/>
               <a:pPr/>
-              <a:t>3/19/2018</a:t>
+              <a:t>3/21/2018</a:t>
             </a:fld>
             <a:endParaRPr lang="en-US"/>
           </a:p>
@@ -1043,7 +1045,7 @@
             <a:fld id="{1D8BD707-D9CF-40AE-B4C6-C98DA3205C09}" type="datetimeFigureOut">
               <a:rPr lang="en-US" smtClean="0"/>
               <a:pPr/>
-              <a:t>3/19/2018</a:t>
+              <a:t>3/21/2018</a:t>
             </a:fld>
             <a:endParaRPr lang="en-US"/>
           </a:p>
@@ -1328,7 +1330,7 @@
             <a:fld id="{1D8BD707-D9CF-40AE-B4C6-C98DA3205C09}" type="datetimeFigureOut">
               <a:rPr lang="en-US" smtClean="0"/>
               <a:pPr/>
-              <a:t>3/19/2018</a:t>
+              <a:t>3/21/2018</a:t>
             </a:fld>
             <a:endParaRPr lang="en-US"/>
           </a:p>
@@ -1747,7 +1749,7 @@
             <a:fld id="{1D8BD707-D9CF-40AE-B4C6-C98DA3205C09}" type="datetimeFigureOut">
               <a:rPr lang="en-US" smtClean="0"/>
               <a:pPr/>
-              <a:t>3/19/2018</a:t>
+              <a:t>3/21/2018</a:t>
             </a:fld>
             <a:endParaRPr lang="en-US"/>
           </a:p>
@@ -1862,7 +1864,7 @@
             <a:fld id="{1D8BD707-D9CF-40AE-B4C6-C98DA3205C09}" type="datetimeFigureOut">
               <a:rPr lang="en-US" smtClean="0"/>
               <a:pPr/>
-              <a:t>3/19/2018</a:t>
+              <a:t>3/21/2018</a:t>
             </a:fld>
             <a:endParaRPr lang="en-US"/>
           </a:p>
@@ -1954,7 +1956,7 @@
             <a:fld id="{1D8BD707-D9CF-40AE-B4C6-C98DA3205C09}" type="datetimeFigureOut">
               <a:rPr lang="en-US" smtClean="0"/>
               <a:pPr/>
-              <a:t>3/19/2018</a:t>
+              <a:t>3/21/2018</a:t>
             </a:fld>
             <a:endParaRPr lang="en-US"/>
           </a:p>
@@ -2228,7 +2230,7 @@
             <a:fld id="{1D8BD707-D9CF-40AE-B4C6-C98DA3205C09}" type="datetimeFigureOut">
               <a:rPr lang="en-US" smtClean="0"/>
               <a:pPr/>
-              <a:t>3/19/2018</a:t>
+              <a:t>3/21/2018</a:t>
             </a:fld>
             <a:endParaRPr lang="en-US"/>
           </a:p>
@@ -2478,7 +2480,7 @@
             <a:fld id="{1D8BD707-D9CF-40AE-B4C6-C98DA3205C09}" type="datetimeFigureOut">
               <a:rPr lang="en-US" smtClean="0"/>
               <a:pPr/>
-              <a:t>3/19/2018</a:t>
+              <a:t>3/21/2018</a:t>
             </a:fld>
             <a:endParaRPr lang="en-US"/>
           </a:p>
@@ -2688,7 +2690,7 @@
             <a:fld id="{1D8BD707-D9CF-40AE-B4C6-C98DA3205C09}" type="datetimeFigureOut">
               <a:rPr lang="en-US" smtClean="0"/>
               <a:pPr/>
-              <a:t>3/19/2018</a:t>
+              <a:t>3/21/2018</a:t>
             </a:fld>
             <a:endParaRPr lang="en-US"/>
           </a:p>
@@ -3207,6 +3209,213 @@
 </p:sld>
 </file>
 
+<file path=ppt/slides/slide2.xml><?xml version="1.0" encoding="utf-8"?>
+<p:sld xmlns:a="http://schemas.openxmlformats.org/drawingml/2006/main" xmlns:r="http://schemas.openxmlformats.org/officeDocument/2006/relationships" xmlns:p="http://schemas.openxmlformats.org/presentationml/2006/main">
+  <p:cSld>
+    <p:spTree>
+      <p:nvGrpSpPr>
+        <p:cNvPr id="1" name=""/>
+        <p:cNvGrpSpPr/>
+        <p:nvPr/>
+      </p:nvGrpSpPr>
+      <p:grpSpPr>
+        <a:xfrm>
+          <a:off x="0" y="0"/>
+          <a:ext cx="0" cy="0"/>
+          <a:chOff x="0" y="0"/>
+          <a:chExt cx="0" cy="0"/>
+        </a:xfrm>
+      </p:grpSpPr>
+      <p:grpSp>
+        <p:nvGrpSpPr>
+          <p:cNvPr id="7" name="Group 6"/>
+          <p:cNvGrpSpPr/>
+          <p:nvPr/>
+        </p:nvGrpSpPr>
+        <p:grpSpPr>
+          <a:xfrm>
+            <a:off x="534286" y="154171"/>
+            <a:ext cx="8075429" cy="3960629"/>
+            <a:chOff x="228600" y="228600"/>
+            <a:chExt cx="8075429" cy="3960629"/>
+          </a:xfrm>
+        </p:grpSpPr>
+        <p:pic>
+          <p:nvPicPr>
+            <p:cNvPr id="1030" name="Picture 6" descr="https://documents.lucidchart.com/documents/87761232-059a-4f58-9e74-e71b5e01a19b/pages/9zpmWE__Oh-N?a=722&amp;x=18&amp;y=18&amp;w=924&amp;h=924&amp;store=1&amp;accept=image%2F*&amp;auth=LCA%20db44ac347cdb0840389f9b78600318a82bb7ae34-ts%3D1521495877"/>
+            <p:cNvPicPr>
+              <a:picLocks noChangeAspect="1" noChangeArrowheads="1"/>
+            </p:cNvPicPr>
+            <p:nvPr/>
+          </p:nvPicPr>
+          <p:blipFill>
+            <a:blip r:embed="rId2" cstate="print"/>
+            <a:srcRect/>
+            <a:stretch>
+              <a:fillRect/>
+            </a:stretch>
+          </p:blipFill>
+          <p:spPr bwMode="auto">
+            <a:xfrm>
+              <a:off x="228600" y="228600"/>
+              <a:ext cx="3960629" cy="3960629"/>
+            </a:xfrm>
+            <a:prstGeom prst="rect">
+              <a:avLst/>
+            </a:prstGeom>
+            <a:noFill/>
+          </p:spPr>
+        </p:pic>
+        <p:pic>
+          <p:nvPicPr>
+            <p:cNvPr id="6" name="Picture 6" descr="https://documents.lucidchart.com/documents/87761232-059a-4f58-9e74-e71b5e01a19b/pages/9zpmWE__Oh-N?a=722&amp;x=18&amp;y=18&amp;w=924&amp;h=924&amp;store=1&amp;accept=image%2F*&amp;auth=LCA%20db44ac347cdb0840389f9b78600318a82bb7ae34-ts%3D1521495877"/>
+            <p:cNvPicPr>
+              <a:picLocks noChangeAspect="1" noChangeArrowheads="1"/>
+            </p:cNvPicPr>
+            <p:nvPr/>
+          </p:nvPicPr>
+          <p:blipFill>
+            <a:blip r:embed="rId2" cstate="print"/>
+            <a:srcRect/>
+            <a:stretch>
+              <a:fillRect/>
+            </a:stretch>
+          </p:blipFill>
+          <p:spPr bwMode="auto">
+            <a:xfrm>
+              <a:off x="4343400" y="228600"/>
+              <a:ext cx="3960629" cy="3960629"/>
+            </a:xfrm>
+            <a:prstGeom prst="rect">
+              <a:avLst/>
+            </a:prstGeom>
+            <a:noFill/>
+          </p:spPr>
+        </p:pic>
+      </p:grpSp>
+    </p:spTree>
+  </p:cSld>
+  <p:clrMapOvr>
+    <a:masterClrMapping/>
+  </p:clrMapOvr>
+</p:sld>
+</file>
+
+<file path=ppt/slides/slide3.xml><?xml version="1.0" encoding="utf-8"?>
+<p:sld xmlns:a="http://schemas.openxmlformats.org/drawingml/2006/main" xmlns:r="http://schemas.openxmlformats.org/officeDocument/2006/relationships" xmlns:p="http://schemas.openxmlformats.org/presentationml/2006/main">
+  <p:cSld>
+    <p:spTree>
+      <p:nvGrpSpPr>
+        <p:cNvPr id="1" name=""/>
+        <p:cNvGrpSpPr/>
+        <p:nvPr/>
+      </p:nvGrpSpPr>
+      <p:grpSpPr>
+        <a:xfrm>
+          <a:off x="0" y="0"/>
+          <a:ext cx="0" cy="0"/>
+          <a:chOff x="0" y="0"/>
+          <a:chExt cx="0" cy="0"/>
+        </a:xfrm>
+      </p:grpSpPr>
+      <p:pic>
+        <p:nvPicPr>
+          <p:cNvPr id="1026" name="Picture 2" descr="https://documents.lucidchart.com/documents/5c89c2be-d256-4656-8ecb-220f9c125152/pages/0_0?a=1454&amp;x=39&amp;y=43&amp;w=1045&amp;h=814&amp;store=1&amp;accept=image%2F*&amp;auth=LCA%20e59b34d7f2568dbc4f201ed7245933b2c73e3024-ts%3D1521658129"/>
+          <p:cNvPicPr>
+            <a:picLocks noChangeAspect="1" noChangeArrowheads="1"/>
+          </p:cNvPicPr>
+          <p:nvPr/>
+        </p:nvPicPr>
+        <p:blipFill>
+          <a:blip r:embed="rId2" cstate="print"/>
+          <a:srcRect/>
+          <a:stretch>
+            <a:fillRect/>
+          </a:stretch>
+        </p:blipFill>
+        <p:spPr bwMode="auto">
+          <a:xfrm>
+            <a:off x="3695700" y="2590800"/>
+            <a:ext cx="5375139" cy="4186950"/>
+          </a:xfrm>
+          <a:prstGeom prst="rect">
+            <a:avLst/>
+          </a:prstGeom>
+          <a:noFill/>
+        </p:spPr>
+      </p:pic>
+      <p:pic>
+        <p:nvPicPr>
+          <p:cNvPr id="1027" name="Picture 3"/>
+          <p:cNvPicPr>
+            <a:picLocks noChangeAspect="1" noChangeArrowheads="1"/>
+          </p:cNvPicPr>
+          <p:nvPr/>
+        </p:nvPicPr>
+        <p:blipFill>
+          <a:blip r:embed="rId3" cstate="print"/>
+          <a:srcRect/>
+          <a:stretch>
+            <a:fillRect/>
+          </a:stretch>
+        </p:blipFill>
+        <p:spPr bwMode="auto">
+          <a:xfrm>
+            <a:off x="152400" y="228600"/>
+            <a:ext cx="3886200" cy="2038350"/>
+          </a:xfrm>
+          <a:prstGeom prst="rect">
+            <a:avLst/>
+          </a:prstGeom>
+          <a:noFill/>
+          <a:ln w="9525">
+            <a:noFill/>
+            <a:miter lim="800000"/>
+            <a:headEnd/>
+            <a:tailEnd/>
+          </a:ln>
+        </p:spPr>
+      </p:pic>
+      <p:pic>
+        <p:nvPicPr>
+          <p:cNvPr id="1028" name="Picture 4"/>
+          <p:cNvPicPr>
+            <a:picLocks noChangeAspect="1" noChangeArrowheads="1"/>
+          </p:cNvPicPr>
+          <p:nvPr/>
+        </p:nvPicPr>
+        <p:blipFill>
+          <a:blip r:embed="rId4" cstate="print"/>
+          <a:srcRect/>
+          <a:stretch>
+            <a:fillRect/>
+          </a:stretch>
+        </p:blipFill>
+        <p:spPr bwMode="auto">
+          <a:xfrm>
+            <a:off x="304800" y="5105400"/>
+            <a:ext cx="3403870" cy="1447800"/>
+          </a:xfrm>
+          <a:prstGeom prst="rect">
+            <a:avLst/>
+          </a:prstGeom>
+          <a:noFill/>
+          <a:ln w="9525">
+            <a:noFill/>
+            <a:miter lim="800000"/>
+            <a:headEnd/>
+            <a:tailEnd/>
+          </a:ln>
+        </p:spPr>
+      </p:pic>
+    </p:spTree>
+  </p:cSld>
+  <p:clrMapOvr>
+    <a:masterClrMapping/>
+  </p:clrMapOvr>
+</p:sld>
+</file>
+
 <file path=ppt/theme/theme1.xml><?xml version="1.0" encoding="utf-8"?>
 <a:theme xmlns:a="http://schemas.openxmlformats.org/drawingml/2006/main" name="Office Theme">
   <a:themeElements>

--- a/EBooks/Diagrams3.pptx
+++ b/EBooks/Diagrams3.pptx
@@ -8,6 +8,9 @@
     <p:sldId id="257" r:id="rId2"/>
     <p:sldId id="258" r:id="rId3"/>
     <p:sldId id="259" r:id="rId4"/>
+    <p:sldId id="261" r:id="rId5"/>
+    <p:sldId id="262" r:id="rId6"/>
+    <p:sldId id="260" r:id="rId7"/>
   </p:sldIdLst>
   <p:sldSz cx="9144000" cy="6858000" type="screen4x3"/>
   <p:notesSz cx="6858000" cy="9144000"/>
@@ -291,7 +294,7 @@
             <a:fld id="{1D8BD707-D9CF-40AE-B4C6-C98DA3205C09}" type="datetimeFigureOut">
               <a:rPr lang="en-US" smtClean="0"/>
               <a:pPr/>
-              <a:t>3/21/2018</a:t>
+              <a:t>5/10/2018</a:t>
             </a:fld>
             <a:endParaRPr lang="en-US"/>
           </a:p>
@@ -458,7 +461,7 @@
             <a:fld id="{1D8BD707-D9CF-40AE-B4C6-C98DA3205C09}" type="datetimeFigureOut">
               <a:rPr lang="en-US" smtClean="0"/>
               <a:pPr/>
-              <a:t>3/21/2018</a:t>
+              <a:t>5/10/2018</a:t>
             </a:fld>
             <a:endParaRPr lang="en-US"/>
           </a:p>
@@ -635,7 +638,7 @@
             <a:fld id="{1D8BD707-D9CF-40AE-B4C6-C98DA3205C09}" type="datetimeFigureOut">
               <a:rPr lang="en-US" smtClean="0"/>
               <a:pPr/>
-              <a:t>3/21/2018</a:t>
+              <a:t>5/10/2018</a:t>
             </a:fld>
             <a:endParaRPr lang="en-US"/>
           </a:p>
@@ -802,7 +805,7 @@
             <a:fld id="{1D8BD707-D9CF-40AE-B4C6-C98DA3205C09}" type="datetimeFigureOut">
               <a:rPr lang="en-US" smtClean="0"/>
               <a:pPr/>
-              <a:t>3/21/2018</a:t>
+              <a:t>5/10/2018</a:t>
             </a:fld>
             <a:endParaRPr lang="en-US"/>
           </a:p>
@@ -1045,7 +1048,7 @@
             <a:fld id="{1D8BD707-D9CF-40AE-B4C6-C98DA3205C09}" type="datetimeFigureOut">
               <a:rPr lang="en-US" smtClean="0"/>
               <a:pPr/>
-              <a:t>3/21/2018</a:t>
+              <a:t>5/10/2018</a:t>
             </a:fld>
             <a:endParaRPr lang="en-US"/>
           </a:p>
@@ -1330,7 +1333,7 @@
             <a:fld id="{1D8BD707-D9CF-40AE-B4C6-C98DA3205C09}" type="datetimeFigureOut">
               <a:rPr lang="en-US" smtClean="0"/>
               <a:pPr/>
-              <a:t>3/21/2018</a:t>
+              <a:t>5/10/2018</a:t>
             </a:fld>
             <a:endParaRPr lang="en-US"/>
           </a:p>
@@ -1749,7 +1752,7 @@
             <a:fld id="{1D8BD707-D9CF-40AE-B4C6-C98DA3205C09}" type="datetimeFigureOut">
               <a:rPr lang="en-US" smtClean="0"/>
               <a:pPr/>
-              <a:t>3/21/2018</a:t>
+              <a:t>5/10/2018</a:t>
             </a:fld>
             <a:endParaRPr lang="en-US"/>
           </a:p>
@@ -1864,7 +1867,7 @@
             <a:fld id="{1D8BD707-D9CF-40AE-B4C6-C98DA3205C09}" type="datetimeFigureOut">
               <a:rPr lang="en-US" smtClean="0"/>
               <a:pPr/>
-              <a:t>3/21/2018</a:t>
+              <a:t>5/10/2018</a:t>
             </a:fld>
             <a:endParaRPr lang="en-US"/>
           </a:p>
@@ -1956,7 +1959,7 @@
             <a:fld id="{1D8BD707-D9CF-40AE-B4C6-C98DA3205C09}" type="datetimeFigureOut">
               <a:rPr lang="en-US" smtClean="0"/>
               <a:pPr/>
-              <a:t>3/21/2018</a:t>
+              <a:t>5/10/2018</a:t>
             </a:fld>
             <a:endParaRPr lang="en-US"/>
           </a:p>
@@ -2230,7 +2233,7 @@
             <a:fld id="{1D8BD707-D9CF-40AE-B4C6-C98DA3205C09}" type="datetimeFigureOut">
               <a:rPr lang="en-US" smtClean="0"/>
               <a:pPr/>
-              <a:t>3/21/2018</a:t>
+              <a:t>5/10/2018</a:t>
             </a:fld>
             <a:endParaRPr lang="en-US"/>
           </a:p>
@@ -2480,7 +2483,7 @@
             <a:fld id="{1D8BD707-D9CF-40AE-B4C6-C98DA3205C09}" type="datetimeFigureOut">
               <a:rPr lang="en-US" smtClean="0"/>
               <a:pPr/>
-              <a:t>3/21/2018</a:t>
+              <a:t>5/10/2018</a:t>
             </a:fld>
             <a:endParaRPr lang="en-US"/>
           </a:p>
@@ -2690,7 +2693,7 @@
             <a:fld id="{1D8BD707-D9CF-40AE-B4C6-C98DA3205C09}" type="datetimeFigureOut">
               <a:rPr lang="en-US" smtClean="0"/>
               <a:pPr/>
-              <a:t>3/21/2018</a:t>
+              <a:t>5/10/2018</a:t>
             </a:fld>
             <a:endParaRPr lang="en-US"/>
           </a:p>
@@ -3416,6 +3419,363 @@
 </p:sld>
 </file>
 
+<file path=ppt/slides/slide4.xml><?xml version="1.0" encoding="utf-8"?>
+<p:sld xmlns:a="http://schemas.openxmlformats.org/drawingml/2006/main" xmlns:r="http://schemas.openxmlformats.org/officeDocument/2006/relationships" xmlns:p="http://schemas.openxmlformats.org/presentationml/2006/main">
+  <p:cSld>
+    <p:spTree>
+      <p:nvGrpSpPr>
+        <p:cNvPr id="1" name=""/>
+        <p:cNvGrpSpPr/>
+        <p:nvPr/>
+      </p:nvGrpSpPr>
+      <p:grpSpPr>
+        <a:xfrm>
+          <a:off x="0" y="0"/>
+          <a:ext cx="0" cy="0"/>
+          <a:chOff x="0" y="0"/>
+          <a:chExt cx="0" cy="0"/>
+        </a:xfrm>
+      </p:grpSpPr>
+      <p:pic>
+        <p:nvPicPr>
+          <p:cNvPr id="17415" name="Picture 7"/>
+          <p:cNvPicPr>
+            <a:picLocks noChangeAspect="1" noChangeArrowheads="1"/>
+          </p:cNvPicPr>
+          <p:nvPr/>
+        </p:nvPicPr>
+        <p:blipFill>
+          <a:blip r:embed="rId2" cstate="print"/>
+          <a:srcRect/>
+          <a:stretch>
+            <a:fillRect/>
+          </a:stretch>
+        </p:blipFill>
+        <p:spPr bwMode="auto">
+          <a:xfrm>
+            <a:off x="57150" y="152400"/>
+            <a:ext cx="4057650" cy="4267200"/>
+          </a:xfrm>
+          <a:prstGeom prst="rect">
+            <a:avLst/>
+          </a:prstGeom>
+          <a:noFill/>
+          <a:ln w="9525">
+            <a:noFill/>
+            <a:miter lim="800000"/>
+            <a:headEnd/>
+            <a:tailEnd/>
+          </a:ln>
+        </p:spPr>
+      </p:pic>
+      <p:pic>
+        <p:nvPicPr>
+          <p:cNvPr id="17423" name="Picture 15" descr="https://documents.lucidchart.com/documents/6987d70b-9e79-4e3a-91b8-301f4c7b2fc2/pages/YGcM5DNywbTK?a=2986&amp;x=40&amp;y=49&amp;w=860&amp;h=970&amp;store=1&amp;accept=image%2F*&amp;auth=LCA%20ac783833e5865a5741931aad28d9a0e66894f283-ts%3D1525971544"/>
+          <p:cNvPicPr>
+            <a:picLocks noChangeAspect="1" noChangeArrowheads="1"/>
+          </p:cNvPicPr>
+          <p:nvPr/>
+        </p:nvPicPr>
+        <p:blipFill>
+          <a:blip r:embed="rId3" cstate="print"/>
+          <a:srcRect/>
+          <a:stretch>
+            <a:fillRect/>
+          </a:stretch>
+        </p:blipFill>
+        <p:spPr bwMode="auto">
+          <a:xfrm>
+            <a:off x="6118760" y="3455558"/>
+            <a:ext cx="2949040" cy="3326242"/>
+          </a:xfrm>
+          <a:prstGeom prst="rect">
+            <a:avLst/>
+          </a:prstGeom>
+          <a:noFill/>
+        </p:spPr>
+      </p:pic>
+      <p:grpSp>
+        <p:nvGrpSpPr>
+          <p:cNvPr id="8" name="Group 7"/>
+          <p:cNvGrpSpPr/>
+          <p:nvPr/>
+        </p:nvGrpSpPr>
+        <p:grpSpPr>
+          <a:xfrm>
+            <a:off x="3810000" y="76200"/>
+            <a:ext cx="5369798" cy="3429000"/>
+            <a:chOff x="152400" y="152400"/>
+            <a:chExt cx="5369798" cy="3429000"/>
+          </a:xfrm>
+        </p:grpSpPr>
+        <p:grpSp>
+          <p:nvGrpSpPr>
+            <p:cNvPr id="5" name="Group 4"/>
+            <p:cNvGrpSpPr/>
+            <p:nvPr/>
+          </p:nvGrpSpPr>
+          <p:grpSpPr>
+            <a:xfrm>
+              <a:off x="152400" y="152400"/>
+              <a:ext cx="5369798" cy="3429000"/>
+              <a:chOff x="228600" y="228600"/>
+              <a:chExt cx="6096000" cy="3892732"/>
+            </a:xfrm>
+          </p:grpSpPr>
+          <p:pic>
+            <p:nvPicPr>
+              <p:cNvPr id="17410" name="Picture 2" descr="https://documents.lucidchart.com/documents/14fd326f-785e-4357-a295-dcf50f379366/pages/YGcM5DNywbTK?a=2136&amp;x=73&amp;y=73&amp;w=1214&amp;h=774&amp;store=1&amp;accept=image%2F*&amp;auth=LCA%205bd36b9620844133dfa65a26d1afef66ece27103-ts%3D1525908551"/>
+              <p:cNvPicPr>
+                <a:picLocks noChangeAspect="1" noChangeArrowheads="1"/>
+              </p:cNvPicPr>
+              <p:nvPr/>
+            </p:nvPicPr>
+            <p:blipFill>
+              <a:blip r:embed="rId4" cstate="print"/>
+              <a:srcRect/>
+              <a:stretch>
+                <a:fillRect/>
+              </a:stretch>
+            </p:blipFill>
+            <p:spPr bwMode="auto">
+              <a:xfrm>
+                <a:off x="228600" y="228600"/>
+                <a:ext cx="6096000" cy="3887789"/>
+              </a:xfrm>
+              <a:prstGeom prst="rect">
+                <a:avLst/>
+              </a:prstGeom>
+              <a:noFill/>
+            </p:spPr>
+          </p:pic>
+          <p:pic>
+            <p:nvPicPr>
+              <p:cNvPr id="17414" name="Picture 6" descr="https://documents.lucidchart.com/documents/14fd326f-785e-4357-a295-dcf50f379366/pages/YGcM5DNywbTK?a=2237&amp;x=93&amp;y=73&amp;w=774&amp;h=774&amp;store=1&amp;accept=image%2F*&amp;auth=LCA%201c5822acc515af959341007b27b55157540a0355-ts%3D1525908551"/>
+              <p:cNvPicPr>
+                <a:picLocks noChangeAspect="1" noChangeArrowheads="1"/>
+              </p:cNvPicPr>
+              <p:nvPr/>
+            </p:nvPicPr>
+            <p:blipFill>
+              <a:blip r:embed="rId5" cstate="print"/>
+              <a:srcRect/>
+              <a:stretch>
+                <a:fillRect/>
+              </a:stretch>
+            </p:blipFill>
+            <p:spPr bwMode="auto">
+              <a:xfrm>
+                <a:off x="331695" y="228600"/>
+                <a:ext cx="3892732" cy="3892732"/>
+              </a:xfrm>
+              <a:prstGeom prst="rect">
+                <a:avLst/>
+              </a:prstGeom>
+              <a:noFill/>
+            </p:spPr>
+          </p:pic>
+        </p:grpSp>
+        <p:pic>
+          <p:nvPicPr>
+            <p:cNvPr id="17417" name="Picture 9" descr="https://documents.lucidchart.com/documents/14fd326f-785e-4357-a295-dcf50f379366/pages/YGcM5DNywbTK?a=2280&amp;x=927&amp;y=136&amp;w=281&amp;h=218&amp;store=1&amp;accept=image%2F*&amp;auth=LCA%20acabfa1aa651bf644a2e03a9bfa76d8b64f4a402-ts%3D1525908551"/>
+            <p:cNvPicPr>
+              <a:picLocks noChangeAspect="1" noChangeArrowheads="1"/>
+            </p:cNvPicPr>
+            <p:nvPr/>
+          </p:nvPicPr>
+          <p:blipFill>
+            <a:blip r:embed="rId6" cstate="print"/>
+            <a:srcRect/>
+            <a:stretch>
+              <a:fillRect/>
+            </a:stretch>
+          </p:blipFill>
+          <p:spPr bwMode="auto">
+            <a:xfrm>
+              <a:off x="3886200" y="457200"/>
+              <a:ext cx="1472576" cy="1143000"/>
+            </a:xfrm>
+            <a:prstGeom prst="rect">
+              <a:avLst/>
+            </a:prstGeom>
+            <a:noFill/>
+          </p:spPr>
+        </p:pic>
+      </p:grpSp>
+      <p:pic>
+        <p:nvPicPr>
+          <p:cNvPr id="17425" name="Picture 17"/>
+          <p:cNvPicPr>
+            <a:picLocks noChangeAspect="1" noChangeArrowheads="1"/>
+          </p:cNvPicPr>
+          <p:nvPr/>
+        </p:nvPicPr>
+        <p:blipFill>
+          <a:blip r:embed="rId7" cstate="print"/>
+          <a:srcRect/>
+          <a:stretch>
+            <a:fillRect/>
+          </a:stretch>
+        </p:blipFill>
+        <p:spPr bwMode="auto">
+          <a:xfrm>
+            <a:off x="7848600" y="2133600"/>
+            <a:ext cx="1095375" cy="1638300"/>
+          </a:xfrm>
+          <a:prstGeom prst="rect">
+            <a:avLst/>
+          </a:prstGeom>
+          <a:noFill/>
+          <a:ln w="9525">
+            <a:noFill/>
+            <a:miter lim="800000"/>
+            <a:headEnd/>
+            <a:tailEnd/>
+          </a:ln>
+        </p:spPr>
+      </p:pic>
+    </p:spTree>
+  </p:cSld>
+  <p:clrMapOvr>
+    <a:masterClrMapping/>
+  </p:clrMapOvr>
+</p:sld>
+</file>
+
+<file path=ppt/slides/slide5.xml><?xml version="1.0" encoding="utf-8"?>
+<p:sld xmlns:a="http://schemas.openxmlformats.org/drawingml/2006/main" xmlns:r="http://schemas.openxmlformats.org/officeDocument/2006/relationships" xmlns:p="http://schemas.openxmlformats.org/presentationml/2006/main">
+  <p:cSld>
+    <p:spTree>
+      <p:nvGrpSpPr>
+        <p:cNvPr id="1" name=""/>
+        <p:cNvGrpSpPr/>
+        <p:nvPr/>
+      </p:nvGrpSpPr>
+      <p:grpSpPr>
+        <a:xfrm>
+          <a:off x="0" y="0"/>
+          <a:ext cx="0" cy="0"/>
+          <a:chOff x="0" y="0"/>
+          <a:chExt cx="0" cy="0"/>
+        </a:xfrm>
+      </p:grpSpPr>
+      <p:pic>
+        <p:nvPicPr>
+          <p:cNvPr id="2" name="Picture 2"/>
+          <p:cNvPicPr>
+            <a:picLocks noChangeAspect="1" noChangeArrowheads="1"/>
+          </p:cNvPicPr>
+          <p:nvPr/>
+        </p:nvPicPr>
+        <p:blipFill>
+          <a:blip r:embed="rId2" cstate="print"/>
+          <a:srcRect/>
+          <a:stretch>
+            <a:fillRect/>
+          </a:stretch>
+        </p:blipFill>
+        <p:spPr bwMode="auto">
+          <a:xfrm>
+            <a:off x="152400" y="76200"/>
+            <a:ext cx="4038600" cy="3838575"/>
+          </a:xfrm>
+          <a:prstGeom prst="rect">
+            <a:avLst/>
+          </a:prstGeom>
+          <a:noFill/>
+          <a:ln w="9525">
+            <a:noFill/>
+            <a:miter lim="800000"/>
+            <a:headEnd/>
+            <a:tailEnd/>
+          </a:ln>
+        </p:spPr>
+      </p:pic>
+      <p:pic>
+        <p:nvPicPr>
+          <p:cNvPr id="3" name="Picture 4" descr="https://documents.lucidchart.com/documents/b476c17f-89d7-4b4c-91c8-585f606d1518/pages/0_0?a=1352&amp;x=20&amp;y=20&amp;w=889&amp;h=880&amp;store=1&amp;accept=image%2F*&amp;auth=LCA%20245be3811012906478303311587244a895d5981e-ts%3D1525991561"/>
+          <p:cNvPicPr>
+            <a:picLocks noChangeAspect="1" noChangeArrowheads="1"/>
+          </p:cNvPicPr>
+          <p:nvPr/>
+        </p:nvPicPr>
+        <p:blipFill>
+          <a:blip r:embed="rId3" cstate="print"/>
+          <a:srcRect/>
+          <a:stretch>
+            <a:fillRect/>
+          </a:stretch>
+        </p:blipFill>
+        <p:spPr bwMode="auto">
+          <a:xfrm>
+            <a:off x="4572000" y="76200"/>
+            <a:ext cx="4312458" cy="4267200"/>
+          </a:xfrm>
+          <a:prstGeom prst="rect">
+            <a:avLst/>
+          </a:prstGeom>
+          <a:noFill/>
+        </p:spPr>
+      </p:pic>
+    </p:spTree>
+  </p:cSld>
+  <p:clrMapOvr>
+    <a:masterClrMapping/>
+  </p:clrMapOvr>
+</p:sld>
+</file>
+
+<file path=ppt/slides/slide6.xml><?xml version="1.0" encoding="utf-8"?>
+<p:sld xmlns:a="http://schemas.openxmlformats.org/drawingml/2006/main" xmlns:r="http://schemas.openxmlformats.org/officeDocument/2006/relationships" xmlns:p="http://schemas.openxmlformats.org/presentationml/2006/main">
+  <p:cSld>
+    <p:spTree>
+      <p:nvGrpSpPr>
+        <p:cNvPr id="1" name=""/>
+        <p:cNvGrpSpPr/>
+        <p:nvPr/>
+      </p:nvGrpSpPr>
+      <p:grpSpPr>
+        <a:xfrm>
+          <a:off x="0" y="0"/>
+          <a:ext cx="0" cy="0"/>
+          <a:chOff x="0" y="0"/>
+          <a:chExt cx="0" cy="0"/>
+        </a:xfrm>
+      </p:grpSpPr>
+      <p:pic>
+        <p:nvPicPr>
+          <p:cNvPr id="1028" name="Picture 4" descr="https://documents.lucidchart.com/documents/14fd326f-785e-4357-a295-dcf50f379366/pages/YGcM5DNywbTK?a=1744&amp;x=93&amp;y=73&amp;w=774&amp;h=774&amp;store=1&amp;accept=image%2F*&amp;auth=LCA%20ce203d3c7b5fe82842c944d9ccc6b1fd6a003de8-ts%3D1525908551"/>
+          <p:cNvPicPr>
+            <a:picLocks noChangeAspect="1" noChangeArrowheads="1"/>
+          </p:cNvPicPr>
+          <p:nvPr/>
+        </p:nvPicPr>
+        <p:blipFill>
+          <a:blip r:embed="rId2" cstate="print"/>
+          <a:srcRect/>
+          <a:stretch>
+            <a:fillRect/>
+          </a:stretch>
+        </p:blipFill>
+        <p:spPr bwMode="auto">
+          <a:xfrm>
+            <a:off x="152400" y="152400"/>
+            <a:ext cx="5534025" cy="5534025"/>
+          </a:xfrm>
+          <a:prstGeom prst="rect">
+            <a:avLst/>
+          </a:prstGeom>
+          <a:noFill/>
+        </p:spPr>
+      </p:pic>
+    </p:spTree>
+  </p:cSld>
+  <p:clrMapOvr>
+    <a:masterClrMapping/>
+  </p:clrMapOvr>
+</p:sld>
+</file>
+
 <file path=ppt/theme/theme1.xml><?xml version="1.0" encoding="utf-8"?>
 <a:theme xmlns:a="http://schemas.openxmlformats.org/drawingml/2006/main" name="Office Theme">
   <a:themeElements>

--- a/EBooks/Diagrams3.pptx
+++ b/EBooks/Diagrams3.pptx
@@ -11,6 +11,8 @@
     <p:sldId id="261" r:id="rId5"/>
     <p:sldId id="262" r:id="rId6"/>
     <p:sldId id="260" r:id="rId7"/>
+    <p:sldId id="263" r:id="rId8"/>
+    <p:sldId id="264" r:id="rId9"/>
   </p:sldIdLst>
   <p:sldSz cx="9144000" cy="6858000" type="screen4x3"/>
   <p:notesSz cx="6858000" cy="9144000"/>
@@ -294,7 +296,7 @@
             <a:fld id="{1D8BD707-D9CF-40AE-B4C6-C98DA3205C09}" type="datetimeFigureOut">
               <a:rPr lang="en-US" smtClean="0"/>
               <a:pPr/>
-              <a:t>5/10/2018</a:t>
+              <a:t>5/15/2018</a:t>
             </a:fld>
             <a:endParaRPr lang="en-US"/>
           </a:p>
@@ -461,7 +463,7 @@
             <a:fld id="{1D8BD707-D9CF-40AE-B4C6-C98DA3205C09}" type="datetimeFigureOut">
               <a:rPr lang="en-US" smtClean="0"/>
               <a:pPr/>
-              <a:t>5/10/2018</a:t>
+              <a:t>5/15/2018</a:t>
             </a:fld>
             <a:endParaRPr lang="en-US"/>
           </a:p>
@@ -638,7 +640,7 @@
             <a:fld id="{1D8BD707-D9CF-40AE-B4C6-C98DA3205C09}" type="datetimeFigureOut">
               <a:rPr lang="en-US" smtClean="0"/>
               <a:pPr/>
-              <a:t>5/10/2018</a:t>
+              <a:t>5/15/2018</a:t>
             </a:fld>
             <a:endParaRPr lang="en-US"/>
           </a:p>
@@ -805,7 +807,7 @@
             <a:fld id="{1D8BD707-D9CF-40AE-B4C6-C98DA3205C09}" type="datetimeFigureOut">
               <a:rPr lang="en-US" smtClean="0"/>
               <a:pPr/>
-              <a:t>5/10/2018</a:t>
+              <a:t>5/15/2018</a:t>
             </a:fld>
             <a:endParaRPr lang="en-US"/>
           </a:p>
@@ -1048,7 +1050,7 @@
             <a:fld id="{1D8BD707-D9CF-40AE-B4C6-C98DA3205C09}" type="datetimeFigureOut">
               <a:rPr lang="en-US" smtClean="0"/>
               <a:pPr/>
-              <a:t>5/10/2018</a:t>
+              <a:t>5/15/2018</a:t>
             </a:fld>
             <a:endParaRPr lang="en-US"/>
           </a:p>
@@ -1333,7 +1335,7 @@
             <a:fld id="{1D8BD707-D9CF-40AE-B4C6-C98DA3205C09}" type="datetimeFigureOut">
               <a:rPr lang="en-US" smtClean="0"/>
               <a:pPr/>
-              <a:t>5/10/2018</a:t>
+              <a:t>5/15/2018</a:t>
             </a:fld>
             <a:endParaRPr lang="en-US"/>
           </a:p>
@@ -1752,7 +1754,7 @@
             <a:fld id="{1D8BD707-D9CF-40AE-B4C6-C98DA3205C09}" type="datetimeFigureOut">
               <a:rPr lang="en-US" smtClean="0"/>
               <a:pPr/>
-              <a:t>5/10/2018</a:t>
+              <a:t>5/15/2018</a:t>
             </a:fld>
             <a:endParaRPr lang="en-US"/>
           </a:p>
@@ -1867,7 +1869,7 @@
             <a:fld id="{1D8BD707-D9CF-40AE-B4C6-C98DA3205C09}" type="datetimeFigureOut">
               <a:rPr lang="en-US" smtClean="0"/>
               <a:pPr/>
-              <a:t>5/10/2018</a:t>
+              <a:t>5/15/2018</a:t>
             </a:fld>
             <a:endParaRPr lang="en-US"/>
           </a:p>
@@ -1959,7 +1961,7 @@
             <a:fld id="{1D8BD707-D9CF-40AE-B4C6-C98DA3205C09}" type="datetimeFigureOut">
               <a:rPr lang="en-US" smtClean="0"/>
               <a:pPr/>
-              <a:t>5/10/2018</a:t>
+              <a:t>5/15/2018</a:t>
             </a:fld>
             <a:endParaRPr lang="en-US"/>
           </a:p>
@@ -2233,7 +2235,7 @@
             <a:fld id="{1D8BD707-D9CF-40AE-B4C6-C98DA3205C09}" type="datetimeFigureOut">
               <a:rPr lang="en-US" smtClean="0"/>
               <a:pPr/>
-              <a:t>5/10/2018</a:t>
+              <a:t>5/15/2018</a:t>
             </a:fld>
             <a:endParaRPr lang="en-US"/>
           </a:p>
@@ -2483,7 +2485,7 @@
             <a:fld id="{1D8BD707-D9CF-40AE-B4C6-C98DA3205C09}" type="datetimeFigureOut">
               <a:rPr lang="en-US" smtClean="0"/>
               <a:pPr/>
-              <a:t>5/10/2018</a:t>
+              <a:t>5/15/2018</a:t>
             </a:fld>
             <a:endParaRPr lang="en-US"/>
           </a:p>
@@ -2693,7 +2695,7 @@
             <a:fld id="{1D8BD707-D9CF-40AE-B4C6-C98DA3205C09}" type="datetimeFigureOut">
               <a:rPr lang="en-US" smtClean="0"/>
               <a:pPr/>
-              <a:t>5/10/2018</a:t>
+              <a:t>5/15/2018</a:t>
             </a:fld>
             <a:endParaRPr lang="en-US"/>
           </a:p>
@@ -3744,7 +3746,7 @@
       </p:grpSpPr>
       <p:pic>
         <p:nvPicPr>
-          <p:cNvPr id="1028" name="Picture 4" descr="https://documents.lucidchart.com/documents/14fd326f-785e-4357-a295-dcf50f379366/pages/YGcM5DNywbTK?a=1744&amp;x=93&amp;y=73&amp;w=774&amp;h=774&amp;store=1&amp;accept=image%2F*&amp;auth=LCA%20ce203d3c7b5fe82842c944d9ccc6b1fd6a003de8-ts%3D1525908551"/>
+          <p:cNvPr id="2" name="Picture 4" descr="https://documents.lucidchart.com/documents/b476c17f-89d7-4b4c-91c8-585f606d1518/pages/0_0?a=1386&amp;x=20&amp;y=20&amp;w=889&amp;h=889&amp;store=1&amp;accept=image%2F*&amp;auth=LCA%204466fb90babaf95ac9cc5da6100a715a090063b9-ts%3D1525992884"/>
           <p:cNvPicPr>
             <a:picLocks noChangeAspect="1" noChangeArrowheads="1"/>
           </p:cNvPicPr>
@@ -3759,13 +3761,316 @@
         </p:blipFill>
         <p:spPr bwMode="auto">
           <a:xfrm>
-            <a:off x="152400" y="152400"/>
-            <a:ext cx="5534025" cy="5534025"/>
+            <a:off x="76200" y="76200"/>
+            <a:ext cx="3200400" cy="3200400"/>
           </a:xfrm>
           <a:prstGeom prst="rect">
             <a:avLst/>
           </a:prstGeom>
           <a:noFill/>
+        </p:spPr>
+      </p:pic>
+    </p:spTree>
+  </p:cSld>
+  <p:clrMapOvr>
+    <a:masterClrMapping/>
+  </p:clrMapOvr>
+</p:sld>
+</file>
+
+<file path=ppt/slides/slide7.xml><?xml version="1.0" encoding="utf-8"?>
+<p:sld xmlns:a="http://schemas.openxmlformats.org/drawingml/2006/main" xmlns:r="http://schemas.openxmlformats.org/officeDocument/2006/relationships" xmlns:p="http://schemas.openxmlformats.org/presentationml/2006/main">
+  <p:cSld>
+    <p:spTree>
+      <p:nvGrpSpPr>
+        <p:cNvPr id="1" name=""/>
+        <p:cNvGrpSpPr/>
+        <p:nvPr/>
+      </p:nvGrpSpPr>
+      <p:grpSpPr>
+        <a:xfrm>
+          <a:off x="0" y="0"/>
+          <a:ext cx="0" cy="0"/>
+          <a:chOff x="0" y="0"/>
+          <a:chExt cx="0" cy="0"/>
+        </a:xfrm>
+      </p:grpSpPr>
+      <p:pic>
+        <p:nvPicPr>
+          <p:cNvPr id="14345" name="Picture 9"/>
+          <p:cNvPicPr>
+            <a:picLocks noChangeAspect="1" noChangeArrowheads="1"/>
+          </p:cNvPicPr>
+          <p:nvPr/>
+        </p:nvPicPr>
+        <p:blipFill>
+          <a:blip r:embed="rId2" cstate="print"/>
+          <a:srcRect/>
+          <a:stretch>
+            <a:fillRect/>
+          </a:stretch>
+        </p:blipFill>
+        <p:spPr bwMode="auto">
+          <a:xfrm>
+            <a:off x="76200" y="76199"/>
+            <a:ext cx="2514600" cy="5378863"/>
+          </a:xfrm>
+          <a:prstGeom prst="rect">
+            <a:avLst/>
+          </a:prstGeom>
+          <a:noFill/>
+          <a:ln w="9525">
+            <a:noFill/>
+            <a:miter lim="800000"/>
+            <a:headEnd/>
+            <a:tailEnd/>
+          </a:ln>
+        </p:spPr>
+      </p:pic>
+      <p:grpSp>
+        <p:nvGrpSpPr>
+          <p:cNvPr id="2" name="Group 9"/>
+          <p:cNvGrpSpPr/>
+          <p:nvPr/>
+        </p:nvGrpSpPr>
+        <p:grpSpPr>
+          <a:xfrm>
+            <a:off x="3316177" y="4415060"/>
+            <a:ext cx="5751623" cy="2519140"/>
+            <a:chOff x="2133600" y="100012"/>
+            <a:chExt cx="6208823" cy="2719388"/>
+          </a:xfrm>
+        </p:grpSpPr>
+        <p:pic>
+          <p:nvPicPr>
+            <p:cNvPr id="14344" name="Picture 8" descr="https://documents.lucidchart.com/documents/836a6f97-a710-4752-935c-6db7beade261/pages/0_0?a=7427&amp;x=87&amp;y=33&amp;w=1176&amp;h=594&amp;store=1&amp;accept=image%2F*&amp;auth=LCA%200c691f8de58ab0263192df843678081199280580-ts%3D1526400914"/>
+            <p:cNvPicPr>
+              <a:picLocks noChangeAspect="1" noChangeArrowheads="1"/>
+            </p:cNvPicPr>
+            <p:nvPr/>
+          </p:nvPicPr>
+          <p:blipFill>
+            <a:blip r:embed="rId3" cstate="print"/>
+            <a:srcRect/>
+            <a:stretch>
+              <a:fillRect/>
+            </a:stretch>
+          </p:blipFill>
+          <p:spPr bwMode="auto">
+            <a:xfrm>
+              <a:off x="2133600" y="100012"/>
+              <a:ext cx="5377802" cy="2719388"/>
+            </a:xfrm>
+            <a:prstGeom prst="rect">
+              <a:avLst/>
+            </a:prstGeom>
+            <a:noFill/>
+          </p:spPr>
+        </p:pic>
+        <p:pic>
+          <p:nvPicPr>
+            <p:cNvPr id="14342" name="Picture 6" descr="https://documents.lucidchart.com/documents/836a6f97-a710-4752-935c-6db7beade261/pages/0_0?a=7394&amp;x=75&amp;y=1303&amp;w=308&amp;h=264&amp;store=1&amp;accept=image%2F*&amp;auth=LCA%208a663647a9edda6010466eb0fc97614c3062ac39-ts%3D1526400914"/>
+            <p:cNvPicPr>
+              <a:picLocks noChangeAspect="1" noChangeArrowheads="1"/>
+            </p:cNvPicPr>
+            <p:nvPr/>
+          </p:nvPicPr>
+          <p:blipFill>
+            <a:blip r:embed="rId4" cstate="print"/>
+            <a:srcRect/>
+            <a:stretch>
+              <a:fillRect/>
+            </a:stretch>
+          </p:blipFill>
+          <p:spPr bwMode="auto">
+            <a:xfrm>
+              <a:off x="6934200" y="100012"/>
+              <a:ext cx="1408223" cy="1207049"/>
+            </a:xfrm>
+            <a:prstGeom prst="rect">
+              <a:avLst/>
+            </a:prstGeom>
+            <a:noFill/>
+          </p:spPr>
+        </p:pic>
+      </p:grpSp>
+      <p:pic>
+        <p:nvPicPr>
+          <p:cNvPr id="14346" name="Picture 10"/>
+          <p:cNvPicPr>
+            <a:picLocks noChangeAspect="1" noChangeArrowheads="1"/>
+          </p:cNvPicPr>
+          <p:nvPr/>
+        </p:nvPicPr>
+        <p:blipFill>
+          <a:blip r:embed="rId5" cstate="print"/>
+          <a:srcRect/>
+          <a:stretch>
+            <a:fillRect/>
+          </a:stretch>
+        </p:blipFill>
+        <p:spPr bwMode="auto">
+          <a:xfrm>
+            <a:off x="4038600" y="44470"/>
+            <a:ext cx="5039541" cy="4451330"/>
+          </a:xfrm>
+          <a:prstGeom prst="rect">
+            <a:avLst/>
+          </a:prstGeom>
+          <a:noFill/>
+          <a:ln w="9525">
+            <a:noFill/>
+            <a:miter lim="800000"/>
+            <a:headEnd/>
+            <a:tailEnd/>
+          </a:ln>
+        </p:spPr>
+      </p:pic>
+    </p:spTree>
+  </p:cSld>
+  <p:clrMapOvr>
+    <a:masterClrMapping/>
+  </p:clrMapOvr>
+</p:sld>
+</file>
+
+<file path=ppt/slides/slide8.xml><?xml version="1.0" encoding="utf-8"?>
+<p:sld xmlns:a="http://schemas.openxmlformats.org/drawingml/2006/main" xmlns:r="http://schemas.openxmlformats.org/officeDocument/2006/relationships" xmlns:p="http://schemas.openxmlformats.org/presentationml/2006/main">
+  <p:cSld>
+    <p:spTree>
+      <p:nvGrpSpPr>
+        <p:cNvPr id="1" name=""/>
+        <p:cNvGrpSpPr/>
+        <p:nvPr/>
+      </p:nvGrpSpPr>
+      <p:grpSpPr>
+        <a:xfrm>
+          <a:off x="0" y="0"/>
+          <a:ext cx="0" cy="0"/>
+          <a:chOff x="0" y="0"/>
+          <a:chExt cx="0" cy="0"/>
+        </a:xfrm>
+      </p:grpSpPr>
+      <p:pic>
+        <p:nvPicPr>
+          <p:cNvPr id="11272" name="Picture 8"/>
+          <p:cNvPicPr>
+            <a:picLocks noChangeAspect="1" noChangeArrowheads="1"/>
+          </p:cNvPicPr>
+          <p:nvPr/>
+        </p:nvPicPr>
+        <p:blipFill>
+          <a:blip r:embed="rId2" cstate="print"/>
+          <a:srcRect/>
+          <a:stretch>
+            <a:fillRect/>
+          </a:stretch>
+        </p:blipFill>
+        <p:spPr bwMode="auto">
+          <a:xfrm>
+            <a:off x="3581400" y="2657475"/>
+            <a:ext cx="5181600" cy="390525"/>
+          </a:xfrm>
+          <a:prstGeom prst="rect">
+            <a:avLst/>
+          </a:prstGeom>
+          <a:noFill/>
+          <a:ln w="9525">
+            <a:noFill/>
+            <a:miter lim="800000"/>
+            <a:headEnd/>
+            <a:tailEnd/>
+          </a:ln>
+        </p:spPr>
+      </p:pic>
+      <p:pic>
+        <p:nvPicPr>
+          <p:cNvPr id="11266" name="Picture 2" descr="https://documents.lucidchart.com/documents/836a6f97-a710-4752-935c-6db7beade261/pages/0_0?a=7368&amp;x=87&amp;y=33&amp;w=1176&amp;h=594&amp;store=1&amp;accept=image%2F*&amp;auth=LCA%200fea08e53543a96f3984d5628b5957eaf4f5065f-ts%3D1526400914"/>
+          <p:cNvPicPr>
+            <a:picLocks noChangeAspect="1" noChangeArrowheads="1"/>
+          </p:cNvPicPr>
+          <p:nvPr/>
+        </p:nvPicPr>
+        <p:blipFill>
+          <a:blip r:embed="rId3" cstate="print"/>
+          <a:srcRect/>
+          <a:stretch>
+            <a:fillRect/>
+          </a:stretch>
+        </p:blipFill>
+        <p:spPr bwMode="auto">
+          <a:xfrm>
+            <a:off x="3869800" y="0"/>
+            <a:ext cx="5274200" cy="2667000"/>
+          </a:xfrm>
+          <a:prstGeom prst="rect">
+            <a:avLst/>
+          </a:prstGeom>
+          <a:noFill/>
+        </p:spPr>
+      </p:pic>
+      <p:pic>
+        <p:nvPicPr>
+          <p:cNvPr id="11269" name="Picture 5"/>
+          <p:cNvPicPr>
+            <a:picLocks noChangeAspect="1" noChangeArrowheads="1"/>
+          </p:cNvPicPr>
+          <p:nvPr/>
+        </p:nvPicPr>
+        <p:blipFill>
+          <a:blip r:embed="rId4" cstate="print"/>
+          <a:srcRect/>
+          <a:stretch>
+            <a:fillRect/>
+          </a:stretch>
+        </p:blipFill>
+        <p:spPr bwMode="auto">
+          <a:xfrm>
+            <a:off x="76200" y="76200"/>
+            <a:ext cx="3842473" cy="4319587"/>
+          </a:xfrm>
+          <a:prstGeom prst="rect">
+            <a:avLst/>
+          </a:prstGeom>
+          <a:noFill/>
+          <a:ln w="9525">
+            <a:noFill/>
+            <a:miter lim="800000"/>
+            <a:headEnd/>
+            <a:tailEnd/>
+          </a:ln>
+        </p:spPr>
+      </p:pic>
+      <p:pic>
+        <p:nvPicPr>
+          <p:cNvPr id="11270" name="Picture 6"/>
+          <p:cNvPicPr>
+            <a:picLocks noChangeAspect="1" noChangeArrowheads="1"/>
+          </p:cNvPicPr>
+          <p:nvPr/>
+        </p:nvPicPr>
+        <p:blipFill>
+          <a:blip r:embed="rId5" cstate="print"/>
+          <a:srcRect/>
+          <a:stretch>
+            <a:fillRect/>
+          </a:stretch>
+        </p:blipFill>
+        <p:spPr bwMode="auto">
+          <a:xfrm>
+            <a:off x="3810000" y="4391025"/>
+            <a:ext cx="5267325" cy="2314575"/>
+          </a:xfrm>
+          <a:prstGeom prst="rect">
+            <a:avLst/>
+          </a:prstGeom>
+          <a:noFill/>
+          <a:ln w="9525">
+            <a:noFill/>
+            <a:miter lim="800000"/>
+            <a:headEnd/>
+            <a:tailEnd/>
+          </a:ln>
         </p:spPr>
       </p:pic>
     </p:spTree>

--- a/EBooks/Diagrams3.pptx
+++ b/EBooks/Diagrams3.pptx
@@ -10,9 +10,10 @@
     <p:sldId id="259" r:id="rId4"/>
     <p:sldId id="261" r:id="rId5"/>
     <p:sldId id="262" r:id="rId6"/>
-    <p:sldId id="260" r:id="rId7"/>
-    <p:sldId id="263" r:id="rId8"/>
-    <p:sldId id="264" r:id="rId9"/>
+    <p:sldId id="265" r:id="rId7"/>
+    <p:sldId id="260" r:id="rId8"/>
+    <p:sldId id="263" r:id="rId9"/>
+    <p:sldId id="264" r:id="rId10"/>
   </p:sldIdLst>
   <p:sldSz cx="9144000" cy="6858000" type="screen4x3"/>
   <p:notesSz cx="6858000" cy="9144000"/>
@@ -296,7 +297,7 @@
             <a:fld id="{1D8BD707-D9CF-40AE-B4C6-C98DA3205C09}" type="datetimeFigureOut">
               <a:rPr lang="en-US" smtClean="0"/>
               <a:pPr/>
-              <a:t>5/15/2018</a:t>
+              <a:t>5/16/2018</a:t>
             </a:fld>
             <a:endParaRPr lang="en-US"/>
           </a:p>
@@ -463,7 +464,7 @@
             <a:fld id="{1D8BD707-D9CF-40AE-B4C6-C98DA3205C09}" type="datetimeFigureOut">
               <a:rPr lang="en-US" smtClean="0"/>
               <a:pPr/>
-              <a:t>5/15/2018</a:t>
+              <a:t>5/16/2018</a:t>
             </a:fld>
             <a:endParaRPr lang="en-US"/>
           </a:p>
@@ -640,7 +641,7 @@
             <a:fld id="{1D8BD707-D9CF-40AE-B4C6-C98DA3205C09}" type="datetimeFigureOut">
               <a:rPr lang="en-US" smtClean="0"/>
               <a:pPr/>
-              <a:t>5/15/2018</a:t>
+              <a:t>5/16/2018</a:t>
             </a:fld>
             <a:endParaRPr lang="en-US"/>
           </a:p>
@@ -807,7 +808,7 @@
             <a:fld id="{1D8BD707-D9CF-40AE-B4C6-C98DA3205C09}" type="datetimeFigureOut">
               <a:rPr lang="en-US" smtClean="0"/>
               <a:pPr/>
-              <a:t>5/15/2018</a:t>
+              <a:t>5/16/2018</a:t>
             </a:fld>
             <a:endParaRPr lang="en-US"/>
           </a:p>
@@ -1050,7 +1051,7 @@
             <a:fld id="{1D8BD707-D9CF-40AE-B4C6-C98DA3205C09}" type="datetimeFigureOut">
               <a:rPr lang="en-US" smtClean="0"/>
               <a:pPr/>
-              <a:t>5/15/2018</a:t>
+              <a:t>5/16/2018</a:t>
             </a:fld>
             <a:endParaRPr lang="en-US"/>
           </a:p>
@@ -1335,7 +1336,7 @@
             <a:fld id="{1D8BD707-D9CF-40AE-B4C6-C98DA3205C09}" type="datetimeFigureOut">
               <a:rPr lang="en-US" smtClean="0"/>
               <a:pPr/>
-              <a:t>5/15/2018</a:t>
+              <a:t>5/16/2018</a:t>
             </a:fld>
             <a:endParaRPr lang="en-US"/>
           </a:p>
@@ -1754,7 +1755,7 @@
             <a:fld id="{1D8BD707-D9CF-40AE-B4C6-C98DA3205C09}" type="datetimeFigureOut">
               <a:rPr lang="en-US" smtClean="0"/>
               <a:pPr/>
-              <a:t>5/15/2018</a:t>
+              <a:t>5/16/2018</a:t>
             </a:fld>
             <a:endParaRPr lang="en-US"/>
           </a:p>
@@ -1869,7 +1870,7 @@
             <a:fld id="{1D8BD707-D9CF-40AE-B4C6-C98DA3205C09}" type="datetimeFigureOut">
               <a:rPr lang="en-US" smtClean="0"/>
               <a:pPr/>
-              <a:t>5/15/2018</a:t>
+              <a:t>5/16/2018</a:t>
             </a:fld>
             <a:endParaRPr lang="en-US"/>
           </a:p>
@@ -1961,7 +1962,7 @@
             <a:fld id="{1D8BD707-D9CF-40AE-B4C6-C98DA3205C09}" type="datetimeFigureOut">
               <a:rPr lang="en-US" smtClean="0"/>
               <a:pPr/>
-              <a:t>5/15/2018</a:t>
+              <a:t>5/16/2018</a:t>
             </a:fld>
             <a:endParaRPr lang="en-US"/>
           </a:p>
@@ -2235,7 +2236,7 @@
             <a:fld id="{1D8BD707-D9CF-40AE-B4C6-C98DA3205C09}" type="datetimeFigureOut">
               <a:rPr lang="en-US" smtClean="0"/>
               <a:pPr/>
-              <a:t>5/15/2018</a:t>
+              <a:t>5/16/2018</a:t>
             </a:fld>
             <a:endParaRPr lang="en-US"/>
           </a:p>
@@ -2485,7 +2486,7 @@
             <a:fld id="{1D8BD707-D9CF-40AE-B4C6-C98DA3205C09}" type="datetimeFigureOut">
               <a:rPr lang="en-US" smtClean="0"/>
               <a:pPr/>
-              <a:t>5/15/2018</a:t>
+              <a:t>5/16/2018</a:t>
             </a:fld>
             <a:endParaRPr lang="en-US"/>
           </a:p>
@@ -2695,7 +2696,7 @@
             <a:fld id="{1D8BD707-D9CF-40AE-B4C6-C98DA3205C09}" type="datetimeFigureOut">
               <a:rPr lang="en-US" smtClean="0"/>
               <a:pPr/>
-              <a:t>5/15/2018</a:t>
+              <a:t>5/16/2018</a:t>
             </a:fld>
             <a:endParaRPr lang="en-US"/>
           </a:p>
@@ -3761,8 +3762,8 @@
         </p:blipFill>
         <p:spPr bwMode="auto">
           <a:xfrm>
-            <a:off x="76200" y="76200"/>
-            <a:ext cx="3200400" cy="3200400"/>
+            <a:off x="0" y="0"/>
+            <a:ext cx="5080807" cy="5080807"/>
           </a:xfrm>
           <a:prstGeom prst="rect">
             <a:avLst/>
@@ -3779,6 +3780,150 @@
 </file>
 
 <file path=ppt/slides/slide7.xml><?xml version="1.0" encoding="utf-8"?>
+<p:sld xmlns:a="http://schemas.openxmlformats.org/drawingml/2006/main" xmlns:r="http://schemas.openxmlformats.org/officeDocument/2006/relationships" xmlns:p="http://schemas.openxmlformats.org/presentationml/2006/main">
+  <p:cSld>
+    <p:spTree>
+      <p:nvGrpSpPr>
+        <p:cNvPr id="1" name=""/>
+        <p:cNvGrpSpPr/>
+        <p:nvPr/>
+      </p:nvGrpSpPr>
+      <p:grpSpPr>
+        <a:xfrm>
+          <a:off x="0" y="0"/>
+          <a:ext cx="0" cy="0"/>
+          <a:chOff x="0" y="0"/>
+          <a:chExt cx="0" cy="0"/>
+        </a:xfrm>
+      </p:grpSpPr>
+      <p:grpSp>
+        <p:nvGrpSpPr>
+          <p:cNvPr id="7" name="Group 6"/>
+          <p:cNvGrpSpPr/>
+          <p:nvPr/>
+        </p:nvGrpSpPr>
+        <p:grpSpPr>
+          <a:xfrm>
+            <a:off x="1282498" y="164636"/>
+            <a:ext cx="6579004" cy="6528729"/>
+            <a:chOff x="126596" y="126596"/>
+            <a:chExt cx="6579004" cy="6528729"/>
+          </a:xfrm>
+        </p:grpSpPr>
+        <p:pic>
+          <p:nvPicPr>
+            <p:cNvPr id="2" name="Picture 4" descr="https://documents.lucidchart.com/documents/b476c17f-89d7-4b4c-91c8-585f606d1518/pages/0_0?a=1386&amp;x=20&amp;y=20&amp;w=889&amp;h=889&amp;store=1&amp;accept=image%2F*&amp;auth=LCA%204466fb90babaf95ac9cc5da6100a715a090063b9-ts%3D1525992884"/>
+            <p:cNvPicPr>
+              <a:picLocks noChangeAspect="1" noChangeArrowheads="1"/>
+            </p:cNvPicPr>
+            <p:nvPr/>
+          </p:nvPicPr>
+          <p:blipFill>
+            <a:blip r:embed="rId2" cstate="print"/>
+            <a:srcRect/>
+            <a:stretch>
+              <a:fillRect/>
+            </a:stretch>
+          </p:blipFill>
+          <p:spPr bwMode="auto">
+            <a:xfrm>
+              <a:off x="126596" y="126596"/>
+              <a:ext cx="3302525" cy="3302525"/>
+            </a:xfrm>
+            <a:prstGeom prst="rect">
+              <a:avLst/>
+            </a:prstGeom>
+            <a:noFill/>
+          </p:spPr>
+        </p:pic>
+        <p:pic>
+          <p:nvPicPr>
+            <p:cNvPr id="3" name="Picture 4" descr="https://documents.lucidchart.com/documents/b476c17f-89d7-4b4c-91c8-585f606d1518/pages/0_0?a=1386&amp;x=20&amp;y=20&amp;w=889&amp;h=889&amp;store=1&amp;accept=image%2F*&amp;auth=LCA%204466fb90babaf95ac9cc5da6100a715a090063b9-ts%3D1525992884"/>
+            <p:cNvPicPr>
+              <a:picLocks noChangeAspect="1" noChangeArrowheads="1"/>
+            </p:cNvPicPr>
+            <p:nvPr/>
+          </p:nvPicPr>
+          <p:blipFill>
+            <a:blip r:embed="rId2" cstate="print"/>
+            <a:srcRect/>
+            <a:stretch>
+              <a:fillRect/>
+            </a:stretch>
+          </p:blipFill>
+          <p:spPr bwMode="auto">
+            <a:xfrm>
+              <a:off x="3403075" y="126596"/>
+              <a:ext cx="3302525" cy="3302525"/>
+            </a:xfrm>
+            <a:prstGeom prst="rect">
+              <a:avLst/>
+            </a:prstGeom>
+            <a:noFill/>
+          </p:spPr>
+        </p:pic>
+        <p:pic>
+          <p:nvPicPr>
+            <p:cNvPr id="4" name="Picture 4" descr="https://documents.lucidchart.com/documents/b476c17f-89d7-4b4c-91c8-585f606d1518/pages/0_0?a=1386&amp;x=20&amp;y=20&amp;w=889&amp;h=889&amp;store=1&amp;accept=image%2F*&amp;auth=LCA%204466fb90babaf95ac9cc5da6100a715a090063b9-ts%3D1525992884"/>
+            <p:cNvPicPr>
+              <a:picLocks noChangeAspect="1" noChangeArrowheads="1"/>
+            </p:cNvPicPr>
+            <p:nvPr/>
+          </p:nvPicPr>
+          <p:blipFill>
+            <a:blip r:embed="rId2" cstate="print"/>
+            <a:srcRect/>
+            <a:stretch>
+              <a:fillRect/>
+            </a:stretch>
+          </p:blipFill>
+          <p:spPr bwMode="auto">
+            <a:xfrm>
+              <a:off x="126596" y="3352800"/>
+              <a:ext cx="3302525" cy="3302525"/>
+            </a:xfrm>
+            <a:prstGeom prst="rect">
+              <a:avLst/>
+            </a:prstGeom>
+            <a:noFill/>
+          </p:spPr>
+        </p:pic>
+        <p:pic>
+          <p:nvPicPr>
+            <p:cNvPr id="5" name="Picture 4" descr="https://documents.lucidchart.com/documents/b476c17f-89d7-4b4c-91c8-585f606d1518/pages/0_0?a=1386&amp;x=20&amp;y=20&amp;w=889&amp;h=889&amp;store=1&amp;accept=image%2F*&amp;auth=LCA%204466fb90babaf95ac9cc5da6100a715a090063b9-ts%3D1525992884"/>
+            <p:cNvPicPr>
+              <a:picLocks noChangeAspect="1" noChangeArrowheads="1"/>
+            </p:cNvPicPr>
+            <p:nvPr/>
+          </p:nvPicPr>
+          <p:blipFill>
+            <a:blip r:embed="rId2" cstate="print"/>
+            <a:srcRect/>
+            <a:stretch>
+              <a:fillRect/>
+            </a:stretch>
+          </p:blipFill>
+          <p:spPr bwMode="auto">
+            <a:xfrm>
+              <a:off x="3403075" y="3352800"/>
+              <a:ext cx="3302525" cy="3302525"/>
+            </a:xfrm>
+            <a:prstGeom prst="rect">
+              <a:avLst/>
+            </a:prstGeom>
+            <a:noFill/>
+          </p:spPr>
+        </p:pic>
+      </p:grpSp>
+    </p:spTree>
+  </p:cSld>
+  <p:clrMapOvr>
+    <a:masterClrMapping/>
+  </p:clrMapOvr>
+</p:sld>
+</file>
+
+<file path=ppt/slides/slide8.xml><?xml version="1.0" encoding="utf-8"?>
 <p:sld xmlns:a="http://schemas.openxmlformats.org/drawingml/2006/main" xmlns:r="http://schemas.openxmlformats.org/officeDocument/2006/relationships" xmlns:p="http://schemas.openxmlformats.org/presentationml/2006/main">
   <p:cSld>
     <p:spTree>
@@ -3812,8 +3957,8 @@
         </p:blipFill>
         <p:spPr bwMode="auto">
           <a:xfrm>
-            <a:off x="76200" y="76199"/>
-            <a:ext cx="2514600" cy="5378863"/>
+            <a:off x="76200" y="75749"/>
+            <a:ext cx="2743200" cy="5867851"/>
           </a:xfrm>
           <a:prstGeom prst="rect">
             <a:avLst/>
@@ -3835,7 +3980,7 @@
         </p:nvGrpSpPr>
         <p:grpSpPr>
           <a:xfrm>
-            <a:off x="3316177" y="4415060"/>
+            <a:off x="3316177" y="4343400"/>
             <a:ext cx="5751623" cy="2519140"/>
             <a:chOff x="2133600" y="100012"/>
             <a:chExt cx="6208823" cy="2719388"/>
@@ -3896,7 +4041,7 @@
       </p:grpSp>
       <p:pic>
         <p:nvPicPr>
-          <p:cNvPr id="14346" name="Picture 10"/>
+          <p:cNvPr id="2049" name="Picture 1"/>
           <p:cNvPicPr>
             <a:picLocks noChangeAspect="1" noChangeArrowheads="1"/>
           </p:cNvPicPr>
@@ -3911,8 +4056,8 @@
         </p:blipFill>
         <p:spPr bwMode="auto">
           <a:xfrm>
-            <a:off x="4038600" y="44470"/>
-            <a:ext cx="5039541" cy="4451330"/>
+            <a:off x="3733800" y="0"/>
+            <a:ext cx="5410200" cy="4467225"/>
           </a:xfrm>
           <a:prstGeom prst="rect">
             <a:avLst/>
@@ -3934,7 +4079,7 @@
 </p:sld>
 </file>
 
-<file path=ppt/slides/slide8.xml><?xml version="1.0" encoding="utf-8"?>
+<file path=ppt/slides/slide9.xml><?xml version="1.0" encoding="utf-8"?>
 <p:sld xmlns:a="http://schemas.openxmlformats.org/drawingml/2006/main" xmlns:r="http://schemas.openxmlformats.org/officeDocument/2006/relationships" xmlns:p="http://schemas.openxmlformats.org/presentationml/2006/main">
   <p:cSld>
     <p:spTree>
@@ -3953,7 +4098,7 @@
       </p:grpSpPr>
       <p:pic>
         <p:nvPicPr>
-          <p:cNvPr id="11272" name="Picture 8"/>
+          <p:cNvPr id="1030" name="Picture 6" descr="https://documents.lucidchart.com/documents/836a6f97-a710-4752-935c-6db7beade261/pages/0_0?a=7657&amp;x=57&amp;y=-22&amp;w=1268&amp;h=738&amp;store=1&amp;accept=image%2F*&amp;auth=LCA%209c7c167f55fd2b27aaf9be2af69e001a33a62850-ts%3D1526519958"/>
           <p:cNvPicPr>
             <a:picLocks noChangeAspect="1" noChangeArrowheads="1"/>
           </p:cNvPicPr>
@@ -3968,40 +4113,8 @@
         </p:blipFill>
         <p:spPr bwMode="auto">
           <a:xfrm>
-            <a:off x="3581400" y="2657475"/>
-            <a:ext cx="5181600" cy="390525"/>
-          </a:xfrm>
-          <a:prstGeom prst="rect">
-            <a:avLst/>
-          </a:prstGeom>
-          <a:noFill/>
-          <a:ln w="9525">
-            <a:noFill/>
-            <a:miter lim="800000"/>
-            <a:headEnd/>
-            <a:tailEnd/>
-          </a:ln>
-        </p:spPr>
-      </p:pic>
-      <p:pic>
-        <p:nvPicPr>
-          <p:cNvPr id="11266" name="Picture 2" descr="https://documents.lucidchart.com/documents/836a6f97-a710-4752-935c-6db7beade261/pages/0_0?a=7368&amp;x=87&amp;y=33&amp;w=1176&amp;h=594&amp;store=1&amp;accept=image%2F*&amp;auth=LCA%200fea08e53543a96f3984d5628b5957eaf4f5065f-ts%3D1526400914"/>
-          <p:cNvPicPr>
-            <a:picLocks noChangeAspect="1" noChangeArrowheads="1"/>
-          </p:cNvPicPr>
-          <p:nvPr/>
-        </p:nvPicPr>
-        <p:blipFill>
-          <a:blip r:embed="rId3" cstate="print"/>
-          <a:srcRect/>
-          <a:stretch>
-            <a:fillRect/>
-          </a:stretch>
-        </p:blipFill>
-        <p:spPr bwMode="auto">
-          <a:xfrm>
-            <a:off x="3869800" y="0"/>
-            <a:ext cx="5274200" cy="2667000"/>
+            <a:off x="3519368" y="76200"/>
+            <a:ext cx="5624632" cy="3276600"/>
           </a:xfrm>
           <a:prstGeom prst="rect">
             <a:avLst/>
@@ -4018,7 +4131,7 @@
           <p:nvPr/>
         </p:nvPicPr>
         <p:blipFill>
-          <a:blip r:embed="rId4" cstate="print"/>
+          <a:blip r:embed="rId3" cstate="print"/>
           <a:srcRect/>
           <a:stretch>
             <a:fillRect/>
@@ -4026,8 +4139,8 @@
         </p:blipFill>
         <p:spPr bwMode="auto">
           <a:xfrm>
-            <a:off x="76200" y="76200"/>
-            <a:ext cx="3842473" cy="4319587"/>
+            <a:off x="43727" y="76201"/>
+            <a:ext cx="3660305" cy="4114800"/>
           </a:xfrm>
           <a:prstGeom prst="rect">
             <a:avLst/>
@@ -4041,38 +4154,85 @@
           </a:ln>
         </p:spPr>
       </p:pic>
-      <p:pic>
-        <p:nvPicPr>
-          <p:cNvPr id="11270" name="Picture 6"/>
-          <p:cNvPicPr>
-            <a:picLocks noChangeAspect="1" noChangeArrowheads="1"/>
-          </p:cNvPicPr>
+      <p:grpSp>
+        <p:nvGrpSpPr>
+          <p:cNvPr id="10" name="Group 9"/>
+          <p:cNvGrpSpPr/>
           <p:nvPr/>
-        </p:nvPicPr>
-        <p:blipFill>
-          <a:blip r:embed="rId5" cstate="print"/>
-          <a:srcRect/>
-          <a:stretch>
-            <a:fillRect/>
-          </a:stretch>
-        </p:blipFill>
-        <p:spPr bwMode="auto">
+        </p:nvGrpSpPr>
+        <p:grpSpPr>
           <a:xfrm>
-            <a:off x="3810000" y="4391025"/>
-            <a:ext cx="5267325" cy="2314575"/>
+            <a:off x="3512820" y="4105275"/>
+            <a:ext cx="5574030" cy="2676525"/>
+            <a:chOff x="3512820" y="4105275"/>
+            <a:chExt cx="5574030" cy="2676525"/>
           </a:xfrm>
-          <a:prstGeom prst="rect">
-            <a:avLst/>
-          </a:prstGeom>
-          <a:noFill/>
-          <a:ln w="9525">
+        </p:grpSpPr>
+        <p:pic>
+          <p:nvPicPr>
+            <p:cNvPr id="11272" name="Picture 8"/>
+            <p:cNvPicPr>
+              <a:picLocks noChangeAspect="1" noChangeArrowheads="1"/>
+            </p:cNvPicPr>
+            <p:nvPr/>
+          </p:nvPicPr>
+          <p:blipFill>
+            <a:blip r:embed="rId4" cstate="print"/>
+            <a:srcRect/>
+            <a:stretch>
+              <a:fillRect/>
+            </a:stretch>
+          </p:blipFill>
+          <p:spPr bwMode="auto">
+            <a:xfrm>
+              <a:off x="3512820" y="4105275"/>
+              <a:ext cx="5181600" cy="390525"/>
+            </a:xfrm>
+            <a:prstGeom prst="rect">
+              <a:avLst/>
+            </a:prstGeom>
             <a:noFill/>
-            <a:miter lim="800000"/>
-            <a:headEnd/>
-            <a:tailEnd/>
-          </a:ln>
-        </p:spPr>
-      </p:pic>
+            <a:ln w="9525">
+              <a:noFill/>
+              <a:miter lim="800000"/>
+              <a:headEnd/>
+              <a:tailEnd/>
+            </a:ln>
+          </p:spPr>
+        </p:pic>
+        <p:pic>
+          <p:nvPicPr>
+            <p:cNvPr id="1031" name="Picture 7"/>
+            <p:cNvPicPr>
+              <a:picLocks noChangeAspect="1" noChangeArrowheads="1"/>
+            </p:cNvPicPr>
+            <p:nvPr/>
+          </p:nvPicPr>
+          <p:blipFill>
+            <a:blip r:embed="rId5" cstate="print"/>
+            <a:srcRect/>
+            <a:stretch>
+              <a:fillRect/>
+            </a:stretch>
+          </p:blipFill>
+          <p:spPr bwMode="auto">
+            <a:xfrm>
+              <a:off x="3581400" y="4572000"/>
+              <a:ext cx="5505450" cy="2209800"/>
+            </a:xfrm>
+            <a:prstGeom prst="rect">
+              <a:avLst/>
+            </a:prstGeom>
+            <a:noFill/>
+            <a:ln w="9525">
+              <a:noFill/>
+              <a:miter lim="800000"/>
+              <a:headEnd/>
+              <a:tailEnd/>
+            </a:ln>
+          </p:spPr>
+        </p:pic>
+      </p:grpSp>
     </p:spTree>
   </p:cSld>
   <p:clrMapOvr>
